--- a/class-tutorial/source/DM_Ch04.pptx
+++ b/class-tutorial/source/DM_Ch04.pptx
@@ -5,10 +5,10 @@
     <p:sldMasterId id="2147483743" r:id="rId1"/>
   </p:sldMasterIdLst>
   <p:notesMasterIdLst>
-    <p:notesMasterId r:id="rId14"/>
+    <p:notesMasterId r:id="rId15"/>
   </p:notesMasterIdLst>
   <p:handoutMasterIdLst>
-    <p:handoutMasterId r:id="rId15"/>
+    <p:handoutMasterId r:id="rId16"/>
   </p:handoutMasterIdLst>
   <p:sldIdLst>
     <p:sldId id="534" r:id="rId2"/>
@@ -22,7 +22,8 @@
     <p:sldId id="584" r:id="rId10"/>
     <p:sldId id="588" r:id="rId11"/>
     <p:sldId id="568" r:id="rId12"/>
-    <p:sldId id="519" r:id="rId13"/>
+    <p:sldId id="589" r:id="rId13"/>
+    <p:sldId id="519" r:id="rId14"/>
   </p:sldIdLst>
   <p:sldSz cx="9906000" cy="6858000" type="A4"/>
   <p:notesSz cx="6858000" cy="9872663"/>
@@ -1565,7 +1566,7 @@
           <a:p>
             <a:fld id="{A4ECAE61-1EF2-44BB-BABB-E7EE140B7C33}" type="datetime1">
               <a:rPr lang="zh-TW" altLang="en-US" smtClean="0"/>
-              <a:t>2018/2/26</a:t>
+              <a:t>2018/3/16</a:t>
             </a:fld>
             <a:endParaRPr lang="en-US" altLang="zh-TW"/>
           </a:p>
@@ -1779,7 +1780,7 @@
           <a:p>
             <a:fld id="{F5689BC1-0C94-4015-9B65-0DF3D3C31BDB}" type="datetime1">
               <a:rPr lang="zh-TW" altLang="en-US" smtClean="0"/>
-              <a:t>2018/2/26</a:t>
+              <a:t>2018/3/16</a:t>
             </a:fld>
             <a:endParaRPr lang="en-US" altLang="zh-TW"/>
           </a:p>
@@ -2041,7 +2042,7 @@
           <a:p>
             <a:fld id="{E4D16832-5708-4AFA-9BE7-2D3384440560}" type="datetime1">
               <a:rPr lang="zh-TW" altLang="en-US" smtClean="0"/>
-              <a:t>2018/2/26</a:t>
+              <a:t>2018/3/16</a:t>
             </a:fld>
             <a:endParaRPr lang="en-US" altLang="zh-TW"/>
           </a:p>
@@ -2217,7 +2218,7 @@
           <a:p>
             <a:fld id="{6F738F87-8CF3-4BA8-AFE3-A97619FB0912}" type="datetime1">
               <a:rPr lang="zh-TW" altLang="en-US" smtClean="0"/>
-              <a:t>2018/2/26</a:t>
+              <a:t>2018/3/16</a:t>
             </a:fld>
             <a:endParaRPr lang="en-US" altLang="zh-TW"/>
           </a:p>
@@ -2573,7 +2574,7 @@
           <a:p>
             <a:fld id="{87483A8B-9C47-4E2D-BE49-4BB7A0C2F2B1}" type="datetime1">
               <a:rPr lang="zh-TW" altLang="en-US" smtClean="0"/>
-              <a:t>2018/2/26</a:t>
+              <a:t>2018/3/16</a:t>
             </a:fld>
             <a:endParaRPr lang="en-US" altLang="zh-TW"/>
           </a:p>
@@ -2861,7 +2862,7 @@
           <a:p>
             <a:fld id="{7B22F632-4570-4469-B6C4-8B3585D75257}" type="datetime1">
               <a:rPr lang="zh-TW" altLang="en-US" smtClean="0"/>
-              <a:t>2018/2/26</a:t>
+              <a:t>2018/3/16</a:t>
             </a:fld>
             <a:endParaRPr lang="en-US" altLang="zh-TW"/>
           </a:p>
@@ -3253,7 +3254,7 @@
           <a:p>
             <a:fld id="{E95232C0-579A-4C9C-B827-D544AC29B9DE}" type="datetime1">
               <a:rPr lang="zh-TW" altLang="en-US" smtClean="0"/>
-              <a:t>2018/2/26</a:t>
+              <a:t>2018/3/16</a:t>
             </a:fld>
             <a:endParaRPr lang="en-US" altLang="zh-TW"/>
           </a:p>
@@ -3384,7 +3385,7 @@
           <a:p>
             <a:fld id="{EB8CFCA5-077C-4129-BC54-054F3DC5FCFA}" type="datetime1">
               <a:rPr lang="zh-TW" altLang="en-US" smtClean="0"/>
-              <a:t>2018/2/26</a:t>
+              <a:t>2018/3/16</a:t>
             </a:fld>
             <a:endParaRPr lang="en-US" altLang="zh-TW"/>
           </a:p>
@@ -3568,7 +3569,7 @@
           <a:p>
             <a:fld id="{51B2B3EB-E054-404A-8278-1AEB3F1D9578}" type="datetime1">
               <a:rPr lang="zh-TW" altLang="en-US" smtClean="0"/>
-              <a:t>2018/2/26</a:t>
+              <a:t>2018/3/16</a:t>
             </a:fld>
             <a:endParaRPr lang="en-US" altLang="zh-TW"/>
           </a:p>
@@ -3928,7 +3929,7 @@
           <a:p>
             <a:fld id="{283DE70B-77FC-406F-A52C-EE26F30B7CCC}" type="datetime1">
               <a:rPr lang="zh-TW" altLang="en-US" smtClean="0"/>
-              <a:t>2018/2/26</a:t>
+              <a:t>2018/3/16</a:t>
             </a:fld>
             <a:endParaRPr lang="en-US" altLang="zh-TW"/>
           </a:p>
@@ -4316,7 +4317,7 @@
           <a:p>
             <a:fld id="{9D60308C-A083-43F5-86BC-44B9AADA8BEC}" type="datetime1">
               <a:rPr lang="zh-TW" altLang="en-US" smtClean="0"/>
-              <a:t>2018/2/26</a:t>
+              <a:t>2018/3/16</a:t>
             </a:fld>
             <a:endParaRPr lang="en-US" altLang="zh-TW"/>
           </a:p>
@@ -4609,7 +4610,7 @@
           <a:p>
             <a:fld id="{6AB07CCE-C2CB-4E12-AA27-F664C8A767A6}" type="datetime1">
               <a:rPr lang="zh-TW" altLang="en-US" smtClean="0"/>
-              <a:t>2018/2/26</a:t>
+              <a:t>2018/3/16</a:t>
             </a:fld>
             <a:endParaRPr lang="en-US" altLang="zh-TW"/>
           </a:p>
@@ -5227,7 +5228,7 @@
           <a:p>
             <a:fld id="{B716F763-94B9-4F4B-B304-3FB4F2F604C2}" type="datetime1">
               <a:rPr lang="zh-TW" altLang="en-US" smtClean="0"/>
-              <a:t>2018/2/26</a:t>
+              <a:t>2018/3/16</a:t>
             </a:fld>
             <a:endParaRPr lang="en-US" altLang="zh-TW"/>
           </a:p>
@@ -5319,7 +5320,7 @@
           <a:p>
             <a:fld id="{E389EAD8-654D-4856-9593-66708A9D23FD}" type="datetime1">
               <a:rPr lang="zh-TW" altLang="en-US" smtClean="0"/>
-              <a:t>2018/2/26</a:t>
+              <a:t>2018/3/16</a:t>
             </a:fld>
             <a:endParaRPr lang="en-US" altLang="zh-TW"/>
           </a:p>
@@ -5707,7 +5708,7 @@
           <a:p>
             <a:fld id="{E389EAD8-654D-4856-9593-66708A9D23FD}" type="datetime1">
               <a:rPr lang="zh-TW" altLang="en-US" smtClean="0"/>
-              <a:t>2018/2/26</a:t>
+              <a:t>2018/3/16</a:t>
             </a:fld>
             <a:endParaRPr lang="en-US" altLang="zh-TW"/>
           </a:p>
@@ -5800,6 +5801,102 @@
       </p:grpSpPr>
       <p:sp>
         <p:nvSpPr>
+          <p:cNvPr id="2" name="標題 1"/>
+          <p:cNvSpPr>
+            <a:spLocks noGrp="1"/>
+          </p:cNvSpPr>
+          <p:nvPr>
+            <p:ph type="title"/>
+          </p:nvPr>
+        </p:nvSpPr>
+        <p:spPr/>
+        <p:txBody>
+          <a:bodyPr>
+            <a:normAutofit/>
+          </a:bodyPr>
+          <a:lstStyle/>
+          <a:p>
+            <a:r>
+              <a:rPr lang="zh-TW" altLang="en-US" sz="3600" dirty="0" smtClean="0"/>
+              <a:t>隨堂練習 </a:t>
+            </a:r>
+            <a:r>
+              <a:rPr lang="en-US" altLang="zh-TW" sz="3600" dirty="0" smtClean="0"/>
+              <a:t>2</a:t>
+            </a:r>
+            <a:endParaRPr lang="zh-TW" altLang="en-US" sz="3600" dirty="0"/>
+          </a:p>
+        </p:txBody>
+      </p:sp>
+      <p:sp>
+        <p:nvSpPr>
+          <p:cNvPr id="3" name="內容版面配置區 2"/>
+          <p:cNvSpPr>
+            <a:spLocks noGrp="1"/>
+          </p:cNvSpPr>
+          <p:nvPr>
+            <p:ph idx="1"/>
+          </p:nvPr>
+        </p:nvSpPr>
+        <p:spPr/>
+        <p:txBody>
+          <a:bodyPr/>
+          <a:lstStyle/>
+          <a:p>
+            <a:endParaRPr lang="en-US" altLang="zh-TW" dirty="0" smtClean="0"/>
+          </a:p>
+          <a:p>
+            <a:r>
+              <a:rPr lang="zh-TW" altLang="en-US" dirty="0" smtClean="0"/>
+              <a:t>請寫一個程式可以尋找離某數字最近的二個質數</a:t>
+            </a:r>
+            <a:endParaRPr lang="en-US" altLang="zh-TW" dirty="0" smtClean="0"/>
+          </a:p>
+          <a:p>
+            <a:r>
+              <a:rPr lang="en-US" altLang="zh-TW" dirty="0" smtClean="0"/>
+              <a:t>Ex a&lt;-100,  output </a:t>
+            </a:r>
+            <a:r>
+              <a:rPr lang="en-US" altLang="zh-TW" dirty="0" smtClean="0"/>
+              <a:t>: </a:t>
+            </a:r>
+            <a:r>
+              <a:rPr lang="en-US" altLang="zh-TW" dirty="0" smtClean="0"/>
+              <a:t>97, 101</a:t>
+            </a:r>
+          </a:p>
+          <a:p>
+            <a:r>
+              <a:rPr lang="en-US" altLang="zh-TW" dirty="0"/>
+              <a:t> </a:t>
+            </a:r>
+            <a:r>
+              <a:rPr lang="en-US" altLang="zh-TW" dirty="0" smtClean="0"/>
+              <a:t>     a&lt;-93,    </a:t>
+            </a:r>
+            <a:r>
+              <a:rPr lang="en-US" altLang="zh-TW" smtClean="0"/>
+              <a:t>output </a:t>
+            </a:r>
+            <a:r>
+              <a:rPr lang="en-US" altLang="zh-TW"/>
+              <a:t>:</a:t>
+            </a:r>
+            <a:r>
+              <a:rPr lang="en-US" altLang="zh-TW" smtClean="0"/>
+              <a:t> </a:t>
+            </a:r>
+            <a:r>
+              <a:rPr lang="en-US" altLang="zh-TW" dirty="0" smtClean="0"/>
+              <a:t>89, 97</a:t>
+            </a:r>
+            <a:endParaRPr lang="zh-TW" altLang="en-US" dirty="0"/>
+          </a:p>
+        </p:txBody>
+      </p:sp>
+      <p:sp>
+        <p:nvSpPr>
           <p:cNvPr id="4" name="日期版面配置區 3"/>
           <p:cNvSpPr>
             <a:spLocks noGrp="1"/>
@@ -5813,9 +5910,9 @@
           <a:bodyPr/>
           <a:lstStyle/>
           <a:p>
-            <a:fld id="{616D5F2B-F245-4A38-A1A6-93550486DFB8}" type="datetime1">
+            <a:fld id="{E389EAD8-654D-4856-9593-66708A9D23FD}" type="datetime1">
               <a:rPr lang="zh-TW" altLang="en-US" smtClean="0"/>
-              <a:t>2018/2/26</a:t>
+              <a:t>2018/3/16</a:t>
             </a:fld>
             <a:endParaRPr lang="en-US" altLang="zh-TW"/>
           </a:p>
@@ -5840,6 +5937,90 @@
               <a:rPr lang="en-US" smtClean="0"/>
               <a:pPr/>
               <a:t>12</a:t>
+            </a:fld>
+            <a:endParaRPr lang="en-US" dirty="0"/>
+          </a:p>
+        </p:txBody>
+      </p:sp>
+    </p:spTree>
+    <p:extLst>
+      <p:ext uri="{BB962C8B-B14F-4D97-AF65-F5344CB8AC3E}">
+        <p14:creationId xmlns:p14="http://schemas.microsoft.com/office/powerpoint/2010/main" val="4006085480"/>
+      </p:ext>
+    </p:extLst>
+  </p:cSld>
+  <p:clrMapOvr>
+    <a:masterClrMapping/>
+  </p:clrMapOvr>
+  <p:timing>
+    <p:tnLst>
+      <p:par>
+        <p:cTn id="1" dur="indefinite" restart="never" nodeType="tmRoot"/>
+      </p:par>
+    </p:tnLst>
+  </p:timing>
+</p:sld>
+</file>
+
+<file path=ppt/slides/slide13.xml><?xml version="1.0" encoding="utf-8"?>
+<p:sld xmlns:a="http://schemas.openxmlformats.org/drawingml/2006/main" xmlns:r="http://schemas.openxmlformats.org/officeDocument/2006/relationships" xmlns:p="http://schemas.openxmlformats.org/presentationml/2006/main">
+  <p:cSld>
+    <p:spTree>
+      <p:nvGrpSpPr>
+        <p:cNvPr id="1" name=""/>
+        <p:cNvGrpSpPr/>
+        <p:nvPr/>
+      </p:nvGrpSpPr>
+      <p:grpSpPr>
+        <a:xfrm>
+          <a:off x="0" y="0"/>
+          <a:ext cx="0" cy="0"/>
+          <a:chOff x="0" y="0"/>
+          <a:chExt cx="0" cy="0"/>
+        </a:xfrm>
+      </p:grpSpPr>
+      <p:sp>
+        <p:nvSpPr>
+          <p:cNvPr id="4" name="日期版面配置區 3"/>
+          <p:cNvSpPr>
+            <a:spLocks noGrp="1"/>
+          </p:cNvSpPr>
+          <p:nvPr>
+            <p:ph type="dt" sz="half" idx="10"/>
+          </p:nvPr>
+        </p:nvSpPr>
+        <p:spPr/>
+        <p:txBody>
+          <a:bodyPr/>
+          <a:lstStyle/>
+          <a:p>
+            <a:fld id="{616D5F2B-F245-4A38-A1A6-93550486DFB8}" type="datetime1">
+              <a:rPr lang="zh-TW" altLang="en-US" smtClean="0"/>
+              <a:t>2018/3/16</a:t>
+            </a:fld>
+            <a:endParaRPr lang="en-US" altLang="zh-TW"/>
+          </a:p>
+        </p:txBody>
+      </p:sp>
+      <p:sp>
+        <p:nvSpPr>
+          <p:cNvPr id="5" name="投影片編號版面配置區 4"/>
+          <p:cNvSpPr>
+            <a:spLocks noGrp="1"/>
+          </p:cNvSpPr>
+          <p:nvPr>
+            <p:ph type="sldNum" sz="quarter" idx="12"/>
+          </p:nvPr>
+        </p:nvSpPr>
+        <p:spPr/>
+        <p:txBody>
+          <a:bodyPr/>
+          <a:lstStyle/>
+          <a:p>
+            <a:fld id="{DF28FB93-0A08-4E7D-8E63-9EFA29F1E093}" type="slidenum">
+              <a:rPr lang="en-US" smtClean="0"/>
+              <a:pPr/>
+              <a:t>13</a:t>
             </a:fld>
             <a:endParaRPr lang="en-US" dirty="0"/>
           </a:p>
@@ -6276,7 +6457,7 @@
           <a:p>
             <a:fld id="{09C27983-1BF7-407E-97CD-3FFCA84DEF73}" type="datetime1">
               <a:rPr lang="zh-TW" altLang="en-US" smtClean="0"/>
-              <a:t>2018/2/26</a:t>
+              <a:t>2018/3/16</a:t>
             </a:fld>
             <a:endParaRPr lang="en-US" altLang="zh-TW"/>
           </a:p>
@@ -6360,7 +6541,7 @@
           <a:p>
             <a:fld id="{E389EAD8-654D-4856-9593-66708A9D23FD}" type="datetime1">
               <a:rPr lang="zh-TW" altLang="en-US" smtClean="0"/>
-              <a:t>2018/2/26</a:t>
+              <a:t>2018/3/16</a:t>
             </a:fld>
             <a:endParaRPr lang="en-US" altLang="zh-TW"/>
           </a:p>
@@ -6661,7 +6842,7 @@
           <a:p>
             <a:fld id="{E389EAD8-654D-4856-9593-66708A9D23FD}" type="datetime1">
               <a:rPr lang="zh-TW" altLang="en-US" smtClean="0"/>
-              <a:t>2018/2/26</a:t>
+              <a:t>2018/3/16</a:t>
             </a:fld>
             <a:endParaRPr lang="en-US" altLang="zh-TW"/>
           </a:p>
@@ -7375,7 +7556,7 @@
           <a:p>
             <a:fld id="{845612B9-DDD1-4F10-885A-7EB250ADC8CF}" type="datetime1">
               <a:rPr lang="zh-TW" altLang="en-US" smtClean="0"/>
-              <a:t>2018/2/26</a:t>
+              <a:t>2018/3/16</a:t>
             </a:fld>
             <a:endParaRPr lang="en-US" altLang="zh-TW"/>
           </a:p>
@@ -7875,7 +8056,7 @@
           <a:p>
             <a:fld id="{845612B9-DDD1-4F10-885A-7EB250ADC8CF}" type="datetime1">
               <a:rPr lang="zh-TW" altLang="en-US" smtClean="0"/>
-              <a:t>2018/2/26</a:t>
+              <a:t>2018/3/16</a:t>
             </a:fld>
             <a:endParaRPr lang="en-US" altLang="zh-TW"/>
           </a:p>
@@ -7959,7 +8140,7 @@
           <a:p>
             <a:fld id="{E389EAD8-654D-4856-9593-66708A9D23FD}" type="datetime1">
               <a:rPr lang="zh-TW" altLang="en-US" smtClean="0"/>
-              <a:t>2018/2/26</a:t>
+              <a:t>2018/3/16</a:t>
             </a:fld>
             <a:endParaRPr lang="en-US" altLang="zh-TW"/>
           </a:p>
@@ -8149,7 +8330,7 @@
           <a:p>
             <a:fld id="{E389EAD8-654D-4856-9593-66708A9D23FD}" type="datetime1">
               <a:rPr lang="zh-TW" altLang="en-US" smtClean="0"/>
-              <a:t>2018/2/26</a:t>
+              <a:t>2018/3/16</a:t>
             </a:fld>
             <a:endParaRPr lang="en-US" altLang="zh-TW"/>
           </a:p>
@@ -8454,7 +8635,7 @@
           <a:p>
             <a:fld id="{E389EAD8-654D-4856-9593-66708A9D23FD}" type="datetime1">
               <a:rPr lang="zh-TW" altLang="en-US" smtClean="0"/>
-              <a:t>2018/2/26</a:t>
+              <a:t>2018/3/16</a:t>
             </a:fld>
             <a:endParaRPr lang="en-US" altLang="zh-TW"/>
           </a:p>
